--- a/images/validated_signals.pptx
+++ b/images/validated_signals.pptx
@@ -304,7 +304,7 @@
           <a:p>
             <a:fld id="{01197F44-DB72-474A-9754-31703E05C006}" type="datetimeFigureOut">
               <a:rPr lang="en-US" smtClean="0"/>
-              <a:t>6/18/19</a:t>
+              <a:t>6/24/19</a:t>
             </a:fld>
             <a:endParaRPr lang="en-US"/>
           </a:p>
@@ -474,7 +474,7 @@
           <a:p>
             <a:fld id="{01197F44-DB72-474A-9754-31703E05C006}" type="datetimeFigureOut">
               <a:rPr lang="en-US" smtClean="0"/>
-              <a:t>6/18/19</a:t>
+              <a:t>6/24/19</a:t>
             </a:fld>
             <a:endParaRPr lang="en-US"/>
           </a:p>
@@ -654,7 +654,7 @@
           <a:p>
             <a:fld id="{01197F44-DB72-474A-9754-31703E05C006}" type="datetimeFigureOut">
               <a:rPr lang="en-US" smtClean="0"/>
-              <a:t>6/18/19</a:t>
+              <a:t>6/24/19</a:t>
             </a:fld>
             <a:endParaRPr lang="en-US"/>
           </a:p>
@@ -824,7 +824,7 @@
           <a:p>
             <a:fld id="{01197F44-DB72-474A-9754-31703E05C006}" type="datetimeFigureOut">
               <a:rPr lang="en-US" smtClean="0"/>
-              <a:t>6/18/19</a:t>
+              <a:t>6/24/19</a:t>
             </a:fld>
             <a:endParaRPr lang="en-US"/>
           </a:p>
@@ -1070,7 +1070,7 @@
           <a:p>
             <a:fld id="{01197F44-DB72-474A-9754-31703E05C006}" type="datetimeFigureOut">
               <a:rPr lang="en-US" smtClean="0"/>
-              <a:t>6/18/19</a:t>
+              <a:t>6/24/19</a:t>
             </a:fld>
             <a:endParaRPr lang="en-US"/>
           </a:p>
@@ -1358,7 +1358,7 @@
           <a:p>
             <a:fld id="{01197F44-DB72-474A-9754-31703E05C006}" type="datetimeFigureOut">
               <a:rPr lang="en-US" smtClean="0"/>
-              <a:t>6/18/19</a:t>
+              <a:t>6/24/19</a:t>
             </a:fld>
             <a:endParaRPr lang="en-US"/>
           </a:p>
@@ -1780,7 +1780,7 @@
           <a:p>
             <a:fld id="{01197F44-DB72-474A-9754-31703E05C006}" type="datetimeFigureOut">
               <a:rPr lang="en-US" smtClean="0"/>
-              <a:t>6/18/19</a:t>
+              <a:t>6/24/19</a:t>
             </a:fld>
             <a:endParaRPr lang="en-US"/>
           </a:p>
@@ -1898,7 +1898,7 @@
           <a:p>
             <a:fld id="{01197F44-DB72-474A-9754-31703E05C006}" type="datetimeFigureOut">
               <a:rPr lang="en-US" smtClean="0"/>
-              <a:t>6/18/19</a:t>
+              <a:t>6/24/19</a:t>
             </a:fld>
             <a:endParaRPr lang="en-US"/>
           </a:p>
@@ -1993,7 +1993,7 @@
           <a:p>
             <a:fld id="{01197F44-DB72-474A-9754-31703E05C006}" type="datetimeFigureOut">
               <a:rPr lang="en-US" smtClean="0"/>
-              <a:t>6/18/19</a:t>
+              <a:t>6/24/19</a:t>
             </a:fld>
             <a:endParaRPr lang="en-US"/>
           </a:p>
@@ -2270,7 +2270,7 @@
           <a:p>
             <a:fld id="{01197F44-DB72-474A-9754-31703E05C006}" type="datetimeFigureOut">
               <a:rPr lang="en-US" smtClean="0"/>
-              <a:t>6/18/19</a:t>
+              <a:t>6/24/19</a:t>
             </a:fld>
             <a:endParaRPr lang="en-US"/>
           </a:p>
@@ -2523,7 +2523,7 @@
           <a:p>
             <a:fld id="{01197F44-DB72-474A-9754-31703E05C006}" type="datetimeFigureOut">
               <a:rPr lang="en-US" smtClean="0"/>
-              <a:t>6/18/19</a:t>
+              <a:t>6/24/19</a:t>
             </a:fld>
             <a:endParaRPr lang="en-US"/>
           </a:p>
@@ -2736,7 +2736,7 @@
           <a:p>
             <a:fld id="{01197F44-DB72-474A-9754-31703E05C006}" type="datetimeFigureOut">
               <a:rPr lang="en-US" smtClean="0"/>
-              <a:t>6/18/19</a:t>
+              <a:t>6/24/19</a:t>
             </a:fld>
             <a:endParaRPr lang="en-US"/>
           </a:p>
@@ -3120,7 +3120,7 @@
           <p:nvPr>
             <p:extLst>
               <p:ext uri="{D42A27DB-BD31-4B8C-83A1-F6EECF244321}">
-                <p14:modId xmlns:p14="http://schemas.microsoft.com/office/powerpoint/2010/main" val="488171118"/>
+                <p14:modId xmlns:p14="http://schemas.microsoft.com/office/powerpoint/2010/main" val="1619128405"/>
               </p:ext>
             </p:extLst>
           </p:nvPr>
@@ -3393,7 +3393,35 @@
                           <a:latin typeface="+mn-lt"/>
                           <a:cs typeface="Courier New"/>
                         </a:rPr>
-                        <a:t>NC_013156.1:1121859-1123902(+)</a:t>
+                        <a:t>NC_013156.1:</a:t>
+                      </a:r>
+                      <a:r>
+                        <a:rPr lang="is-IS" sz="1200" dirty="0" smtClean="0">
+                          <a:latin typeface="+mn-lt"/>
+                          <a:cs typeface="Courier New"/>
+                        </a:rPr>
+                        <a:t>1122916</a:t>
+                      </a:r>
+                      <a:r>
+                        <a:rPr lang="cs-CZ" sz="1200" dirty="0" smtClean="0">
+                          <a:latin typeface="+mn-lt"/>
+                          <a:cs typeface="Courier New"/>
+                        </a:rPr>
+                        <a:t>-</a:t>
+                      </a:r>
+                      <a:r>
+                        <a:rPr lang="is-IS" sz="1200" dirty="0" smtClean="0">
+                          <a:latin typeface="+mn-lt"/>
+                          <a:cs typeface="Courier New"/>
+                        </a:rPr>
+                        <a:t>1122992</a:t>
+                      </a:r>
+                      <a:r>
+                        <a:rPr lang="cs-CZ" sz="1200" dirty="0" smtClean="0">
+                          <a:latin typeface="+mn-lt"/>
+                          <a:cs typeface="Courier New"/>
+                        </a:rPr>
+                        <a:t>(+)</a:t>
                       </a:r>
                       <a:endParaRPr lang="en-US" sz="1200" dirty="0">
                         <a:latin typeface="+mn-lt"/>
@@ -3435,7 +3463,7 @@
                       <a:r>
                         <a:rPr lang="en-US" sz="1000" b="1" dirty="0" smtClean="0">
                           <a:solidFill>
-                            <a:srgbClr val="00B050"/>
+                            <a:srgbClr val="FF0000"/>
                           </a:solidFill>
                           <a:latin typeface="Courier New"/>
                           <a:cs typeface="Courier New"/>
@@ -3452,7 +3480,7 @@
                       <a:r>
                         <a:rPr lang="en-US" sz="1000" b="1" dirty="0" smtClean="0">
                           <a:solidFill>
-                            <a:srgbClr val="FF0000"/>
+                            <a:srgbClr val="0432FF"/>
                           </a:solidFill>
                           <a:latin typeface="Courier New"/>
                           <a:cs typeface="Courier New"/>
@@ -3708,7 +3736,7 @@
                       <a:r>
                         <a:rPr lang="en-US" sz="1000" b="1" dirty="0" smtClean="0">
                           <a:solidFill>
-                            <a:srgbClr val="00B050"/>
+                            <a:srgbClr val="FF0000"/>
                           </a:solidFill>
                           <a:latin typeface="Courier New"/>
                           <a:cs typeface="Courier New"/>
@@ -3725,7 +3753,7 @@
                       <a:r>
                         <a:rPr lang="en-US" sz="1000" b="1" dirty="0" smtClean="0">
                           <a:solidFill>
-                            <a:srgbClr val="FF0000"/>
+                            <a:srgbClr val="0432FF"/>
                           </a:solidFill>
                           <a:latin typeface="Courier New"/>
                           <a:cs typeface="Courier New"/>
@@ -3965,7 +3993,23 @@
                       </a:pPr>
                       <a:r>
                         <a:rPr lang="en-US" sz="1200" dirty="0" smtClean="0"/>
-                        <a:t>NC_010002.1:6395711-6395640(-)</a:t>
+                        <a:t>NC_010002.1:</a:t>
+                      </a:r>
+                      <a:r>
+                        <a:rPr lang="is-IS" sz="1200" dirty="0" smtClean="0"/>
+                        <a:t>6395640</a:t>
+                      </a:r>
+                      <a:r>
+                        <a:rPr lang="en-US" sz="1200" dirty="0" smtClean="0"/>
+                        <a:t>-</a:t>
+                      </a:r>
+                      <a:r>
+                        <a:rPr lang="is-IS" sz="1200" smtClean="0"/>
+                        <a:t>6395711</a:t>
+                      </a:r>
+                      <a:r>
+                        <a:rPr lang="en-US" sz="1200" smtClean="0"/>
+                        <a:t>(-)</a:t>
                       </a:r>
                       <a:endParaRPr lang="en-US" sz="1200" dirty="0">
                         <a:latin typeface="+mn-lt"/>
@@ -4007,7 +4051,7 @@
                       <a:r>
                         <a:rPr lang="en-US" sz="1000" b="1" dirty="0" smtClean="0">
                           <a:solidFill>
-                            <a:srgbClr val="00B050"/>
+                            <a:srgbClr val="FF0000"/>
                           </a:solidFill>
                           <a:latin typeface="Courier New"/>
                           <a:cs typeface="Courier New"/>
@@ -4024,7 +4068,7 @@
                       <a:r>
                         <a:rPr lang="en-US" sz="1000" b="1" dirty="0" smtClean="0">
                           <a:solidFill>
-                            <a:srgbClr val="FF0000"/>
+                            <a:srgbClr val="0432FF"/>
                           </a:solidFill>
                           <a:latin typeface="Courier New"/>
                           <a:cs typeface="Courier New"/>
